--- a/Later/Spring/10_AOP_AspectJ/1/Spring AOP + AspectJ annotation.pptx
+++ b/Later/Spring/10_AOP_AspectJ/1/Spring AOP + AspectJ annotation.pptx
@@ -195,7 +195,7 @@
           <a:p>
             <a:fld id="{62274EC6-3890-417B-9308-14EFBD00FA63}" type="datetimeFigureOut">
               <a:rPr lang="en-US" smtClean="0"/>
-              <a:t>5/30/2018</a:t>
+              <a:t>6/5/2018</a:t>
             </a:fld>
             <a:endParaRPr lang="en-US" dirty="0"/>
           </a:p>
@@ -1001,7 +1001,7 @@
             <a:fld id="{1D8BD707-D9CF-40AE-B4C6-C98DA3205C09}" type="datetimeFigureOut">
               <a:rPr lang="en-US" smtClean="0"/>
               <a:pPr/>
-              <a:t>5/30/2018</a:t>
+              <a:t>6/5/2018</a:t>
             </a:fld>
             <a:endParaRPr lang="en-US" dirty="0"/>
           </a:p>
@@ -1173,7 +1173,7 @@
             <a:fld id="{1D8BD707-D9CF-40AE-B4C6-C98DA3205C09}" type="datetimeFigureOut">
               <a:rPr lang="en-US" smtClean="0"/>
               <a:pPr/>
-              <a:t>5/30/2018</a:t>
+              <a:t>6/5/2018</a:t>
             </a:fld>
             <a:endParaRPr lang="en-US" dirty="0"/>
           </a:p>
@@ -1355,7 +1355,7 @@
             <a:fld id="{1D8BD707-D9CF-40AE-B4C6-C98DA3205C09}" type="datetimeFigureOut">
               <a:rPr lang="en-US" smtClean="0"/>
               <a:pPr/>
-              <a:t>5/30/2018</a:t>
+              <a:t>6/5/2018</a:t>
             </a:fld>
             <a:endParaRPr lang="en-US" dirty="0"/>
           </a:p>
@@ -1527,7 +1527,7 @@
             <a:fld id="{1D8BD707-D9CF-40AE-B4C6-C98DA3205C09}" type="datetimeFigureOut">
               <a:rPr lang="en-US" smtClean="0"/>
               <a:pPr/>
-              <a:t>5/30/2018</a:t>
+              <a:t>6/5/2018</a:t>
             </a:fld>
             <a:endParaRPr lang="en-US" dirty="0"/>
           </a:p>
@@ -1775,7 +1775,7 @@
             <a:fld id="{1D8BD707-D9CF-40AE-B4C6-C98DA3205C09}" type="datetimeFigureOut">
               <a:rPr lang="en-US" smtClean="0"/>
               <a:pPr/>
-              <a:t>5/30/2018</a:t>
+              <a:t>6/5/2018</a:t>
             </a:fld>
             <a:endParaRPr lang="en-US" dirty="0"/>
           </a:p>
@@ -2065,7 +2065,7 @@
             <a:fld id="{1D8BD707-D9CF-40AE-B4C6-C98DA3205C09}" type="datetimeFigureOut">
               <a:rPr lang="en-US" smtClean="0"/>
               <a:pPr/>
-              <a:t>5/30/2018</a:t>
+              <a:t>6/5/2018</a:t>
             </a:fld>
             <a:endParaRPr lang="en-US" dirty="0"/>
           </a:p>
@@ -2494,7 +2494,7 @@
             <a:fld id="{1D8BD707-D9CF-40AE-B4C6-C98DA3205C09}" type="datetimeFigureOut">
               <a:rPr lang="en-US" smtClean="0"/>
               <a:pPr/>
-              <a:t>5/30/2018</a:t>
+              <a:t>6/5/2018</a:t>
             </a:fld>
             <a:endParaRPr lang="en-US" dirty="0"/>
           </a:p>
@@ -2614,7 +2614,7 @@
             <a:fld id="{1D8BD707-D9CF-40AE-B4C6-C98DA3205C09}" type="datetimeFigureOut">
               <a:rPr lang="en-US" smtClean="0"/>
               <a:pPr/>
-              <a:t>5/30/2018</a:t>
+              <a:t>6/5/2018</a:t>
             </a:fld>
             <a:endParaRPr lang="en-US" dirty="0"/>
           </a:p>
@@ -2711,7 +2711,7 @@
             <a:fld id="{1D8BD707-D9CF-40AE-B4C6-C98DA3205C09}" type="datetimeFigureOut">
               <a:rPr lang="en-US" smtClean="0"/>
               <a:pPr/>
-              <a:t>5/30/2018</a:t>
+              <a:t>6/5/2018</a:t>
             </a:fld>
             <a:endParaRPr lang="en-US" dirty="0"/>
           </a:p>
@@ -2990,7 +2990,7 @@
             <a:fld id="{1D8BD707-D9CF-40AE-B4C6-C98DA3205C09}" type="datetimeFigureOut">
               <a:rPr lang="en-US" smtClean="0"/>
               <a:pPr/>
-              <a:t>5/30/2018</a:t>
+              <a:t>6/5/2018</a:t>
             </a:fld>
             <a:endParaRPr lang="en-US" dirty="0"/>
           </a:p>
@@ -3245,7 +3245,7 @@
             <a:fld id="{1D8BD707-D9CF-40AE-B4C6-C98DA3205C09}" type="datetimeFigureOut">
               <a:rPr lang="en-US" smtClean="0"/>
               <a:pPr/>
-              <a:t>5/30/2018</a:t>
+              <a:t>6/5/2018</a:t>
             </a:fld>
             <a:endParaRPr lang="en-US" dirty="0"/>
           </a:p>
@@ -3460,7 +3460,7 @@
             <a:fld id="{1D8BD707-D9CF-40AE-B4C6-C98DA3205C09}" type="datetimeFigureOut">
               <a:rPr lang="en-US" smtClean="0"/>
               <a:pPr/>
-              <a:t>5/30/2018</a:t>
+              <a:t>6/5/2018</a:t>
             </a:fld>
             <a:endParaRPr lang="en-US" dirty="0"/>
           </a:p>
@@ -4732,7 +4732,6 @@
               <a:rPr lang="en-US" sz="1200" dirty="0"/>
               <a:t>@Before</a:t>
             </a:r>
-            <a:endParaRPr lang="en-US" sz="1200" dirty="0"/>
           </a:p>
         </p:txBody>
       </p:sp>
@@ -4937,7 +4936,6 @@
               <a:rPr lang="en-US" sz="1200" dirty="0"/>
               <a:t>@After </a:t>
             </a:r>
-            <a:endParaRPr lang="en-US" sz="1200" dirty="0"/>
           </a:p>
         </p:txBody>
       </p:sp>
@@ -5393,7 +5391,6 @@
               <a:rPr lang="en-US" sz="1200" dirty="0"/>
               <a:t> </a:t>
             </a:r>
-            <a:endParaRPr lang="en-US" sz="1200" dirty="0"/>
           </a:p>
         </p:txBody>
       </p:sp>
@@ -5471,7 +5468,6 @@
               <a:rPr lang="en-US" sz="1200" dirty="0"/>
               <a:t>calling the actual method and before returning result. But you can get the result value in the advice.</a:t>
             </a:r>
-            <a:endParaRPr lang="en-US" sz="1200" dirty="0"/>
           </a:p>
         </p:txBody>
       </p:sp>
@@ -5841,7 +5837,6 @@
               <a:rPr lang="en-US" sz="1200" dirty="0"/>
               <a:t>@Around</a:t>
             </a:r>
-            <a:endParaRPr lang="en-US" sz="1200" dirty="0"/>
           </a:p>
         </p:txBody>
       </p:sp>
@@ -6054,7 +6049,6 @@
               <a:rPr lang="en-US" sz="1200" dirty="0"/>
               <a:t>@AfterThrowing</a:t>
             </a:r>
-            <a:endParaRPr lang="en-US" sz="1200" dirty="0"/>
           </a:p>
         </p:txBody>
       </p:sp>
@@ -6225,7 +6219,6 @@
               <a:rPr lang="en-US" sz="1200" dirty="0"/>
               <a:t>@Around</a:t>
             </a:r>
-            <a:endParaRPr lang="en-US" sz="1200" dirty="0"/>
           </a:p>
         </p:txBody>
       </p:sp>
